--- a/img/Angebot-Nutzung.pptx
+++ b/img/Angebot-Nutzung.pptx
@@ -6,6 +6,7 @@
   </p:sldMasterIdLst>
   <p:sldIdLst>
     <p:sldId id="256" r:id="rId2"/>
+    <p:sldId id="257" r:id="rId3"/>
   </p:sldIdLst>
   <p:sldSz cx="12192000" cy="6858000"/>
   <p:notesSz cx="6858000" cy="9144000"/>
@@ -104,6 +105,11 @@
       </a:defRPr>
     </a:lvl9pPr>
   </p:defaultTextStyle>
+  <p:extLst>
+    <p:ext uri="{EFAFB233-063F-42B5-8137-9DF3F51BA10A}">
+      <p15:sldGuideLst xmlns:p15="http://schemas.microsoft.com/office/powerpoint/2012/main"/>
+    </p:ext>
+  </p:extLst>
 </p:presentation>
 </file>
 
@@ -254,7 +260,7 @@
           <a:p>
             <a:fld id="{438A9FAD-80B4-B24E-A80A-544300FFDA3F}" type="datetimeFigureOut">
               <a:rPr lang="de-DE" smtClean="0"/>
-              <a:t>06.12.24</a:t>
+              <a:t>11.12.24</a:t>
             </a:fld>
             <a:endParaRPr lang="de-DE"/>
           </a:p>
@@ -452,7 +458,7 @@
           <a:p>
             <a:fld id="{438A9FAD-80B4-B24E-A80A-544300FFDA3F}" type="datetimeFigureOut">
               <a:rPr lang="de-DE" smtClean="0"/>
-              <a:t>06.12.24</a:t>
+              <a:t>11.12.24</a:t>
             </a:fld>
             <a:endParaRPr lang="de-DE"/>
           </a:p>
@@ -660,7 +666,7 @@
           <a:p>
             <a:fld id="{438A9FAD-80B4-B24E-A80A-544300FFDA3F}" type="datetimeFigureOut">
               <a:rPr lang="de-DE" smtClean="0"/>
-              <a:t>06.12.24</a:t>
+              <a:t>11.12.24</a:t>
             </a:fld>
             <a:endParaRPr lang="de-DE"/>
           </a:p>
@@ -858,7 +864,7 @@
           <a:p>
             <a:fld id="{438A9FAD-80B4-B24E-A80A-544300FFDA3F}" type="datetimeFigureOut">
               <a:rPr lang="de-DE" smtClean="0"/>
-              <a:t>06.12.24</a:t>
+              <a:t>11.12.24</a:t>
             </a:fld>
             <a:endParaRPr lang="de-DE"/>
           </a:p>
@@ -1133,7 +1139,7 @@
           <a:p>
             <a:fld id="{438A9FAD-80B4-B24E-A80A-544300FFDA3F}" type="datetimeFigureOut">
               <a:rPr lang="de-DE" smtClean="0"/>
-              <a:t>06.12.24</a:t>
+              <a:t>11.12.24</a:t>
             </a:fld>
             <a:endParaRPr lang="de-DE"/>
           </a:p>
@@ -1398,7 +1404,7 @@
           <a:p>
             <a:fld id="{438A9FAD-80B4-B24E-A80A-544300FFDA3F}" type="datetimeFigureOut">
               <a:rPr lang="de-DE" smtClean="0"/>
-              <a:t>06.12.24</a:t>
+              <a:t>11.12.24</a:t>
             </a:fld>
             <a:endParaRPr lang="de-DE"/>
           </a:p>
@@ -1810,7 +1816,7 @@
           <a:p>
             <a:fld id="{438A9FAD-80B4-B24E-A80A-544300FFDA3F}" type="datetimeFigureOut">
               <a:rPr lang="de-DE" smtClean="0"/>
-              <a:t>06.12.24</a:t>
+              <a:t>11.12.24</a:t>
             </a:fld>
             <a:endParaRPr lang="de-DE"/>
           </a:p>
@@ -1951,7 +1957,7 @@
           <a:p>
             <a:fld id="{438A9FAD-80B4-B24E-A80A-544300FFDA3F}" type="datetimeFigureOut">
               <a:rPr lang="de-DE" smtClean="0"/>
-              <a:t>06.12.24</a:t>
+              <a:t>11.12.24</a:t>
             </a:fld>
             <a:endParaRPr lang="de-DE"/>
           </a:p>
@@ -2064,7 +2070,7 @@
           <a:p>
             <a:fld id="{438A9FAD-80B4-B24E-A80A-544300FFDA3F}" type="datetimeFigureOut">
               <a:rPr lang="de-DE" smtClean="0"/>
-              <a:t>06.12.24</a:t>
+              <a:t>11.12.24</a:t>
             </a:fld>
             <a:endParaRPr lang="de-DE"/>
           </a:p>
@@ -2375,7 +2381,7 @@
           <a:p>
             <a:fld id="{438A9FAD-80B4-B24E-A80A-544300FFDA3F}" type="datetimeFigureOut">
               <a:rPr lang="de-DE" smtClean="0"/>
-              <a:t>06.12.24</a:t>
+              <a:t>11.12.24</a:t>
             </a:fld>
             <a:endParaRPr lang="de-DE"/>
           </a:p>
@@ -2663,7 +2669,7 @@
           <a:p>
             <a:fld id="{438A9FAD-80B4-B24E-A80A-544300FFDA3F}" type="datetimeFigureOut">
               <a:rPr lang="de-DE" smtClean="0"/>
-              <a:t>06.12.24</a:t>
+              <a:t>11.12.24</a:t>
             </a:fld>
             <a:endParaRPr lang="de-DE"/>
           </a:p>
@@ -2904,7 +2910,7 @@
           <a:p>
             <a:fld id="{438A9FAD-80B4-B24E-A80A-544300FFDA3F}" type="datetimeFigureOut">
               <a:rPr lang="de-DE" smtClean="0"/>
-              <a:t>06.12.24</a:t>
+              <a:t>11.12.24</a:t>
             </a:fld>
             <a:endParaRPr lang="de-DE"/>
           </a:p>
@@ -3335,8 +3341,8 @@
         </p:nvSpPr>
         <p:spPr>
           <a:xfrm>
-            <a:off x="4296982" y="5102720"/>
-            <a:ext cx="3598036" cy="1077218"/>
+            <a:off x="4291563" y="5102720"/>
+            <a:ext cx="3608873" cy="1077218"/>
           </a:xfrm>
           <a:prstGeom prst="rect">
             <a:avLst/>
@@ -3352,7 +3358,7 @@
             <a:pPr algn="ctr"/>
             <a:r>
               <a:rPr lang="de-DE" sz="3200" dirty="0"/>
-              <a:t>Evidenzinformiertes </a:t>
+              <a:t>evidenzinformiertes </a:t>
             </a:r>
           </a:p>
           <a:p>
@@ -3435,15 +3441,15 @@
           </p:cNvPr>
           <p:cNvCxnSpPr>
             <a:cxnSpLocks/>
-            <a:stCxn id="7" idx="3"/>
+            <a:stCxn id="7" idx="2"/>
             <a:endCxn id="4" idx="0"/>
           </p:cNvCxnSpPr>
           <p:nvPr/>
         </p:nvCxnSpPr>
         <p:spPr>
           <a:xfrm>
-            <a:off x="3251200" y="1803400"/>
-            <a:ext cx="2844800" cy="3299320"/>
+            <a:off x="1625600" y="3429000"/>
+            <a:ext cx="4470400" cy="1673720"/>
           </a:xfrm>
           <a:prstGeom prst="straightConnector1">
             <a:avLst/>
@@ -3481,15 +3487,15 @@
           </p:cNvPr>
           <p:cNvCxnSpPr>
             <a:cxnSpLocks/>
-            <a:stCxn id="8" idx="1"/>
+            <a:stCxn id="8" idx="2"/>
             <a:endCxn id="4" idx="0"/>
           </p:cNvCxnSpPr>
           <p:nvPr/>
         </p:nvCxnSpPr>
         <p:spPr>
           <a:xfrm flipH="1">
-            <a:off x="6096000" y="1896739"/>
-            <a:ext cx="2716210" cy="3205981"/>
+            <a:off x="6096000" y="3522339"/>
+            <a:ext cx="4341810" cy="1580381"/>
           </a:xfrm>
           <a:prstGeom prst="straightConnector1">
             <a:avLst/>
@@ -3520,6 +3526,393 @@
     <p:extLst>
       <p:ext uri="{BB962C8B-B14F-4D97-AF65-F5344CB8AC3E}">
         <p14:creationId xmlns:p14="http://schemas.microsoft.com/office/powerpoint/2010/main" val="1853312373"/>
+      </p:ext>
+    </p:extLst>
+  </p:cSld>
+  <p:clrMapOvr>
+    <a:masterClrMapping/>
+  </p:clrMapOvr>
+</p:sld>
+</file>
+
+<file path=ppt/slides/slide2.xml><?xml version="1.0" encoding="utf-8"?>
+<p:sld xmlns:a="http://schemas.openxmlformats.org/drawingml/2006/main" xmlns:r="http://schemas.openxmlformats.org/officeDocument/2006/relationships" xmlns:p="http://schemas.openxmlformats.org/presentationml/2006/main">
+  <p:cSld>
+    <p:spTree>
+      <p:nvGrpSpPr>
+        <p:cNvPr id="1" name="">
+          <a:extLst>
+            <a:ext uri="{FF2B5EF4-FFF2-40B4-BE49-F238E27FC236}">
+              <a16:creationId xmlns:a16="http://schemas.microsoft.com/office/drawing/2014/main" id="{7850E78B-2E04-F48A-3171-3AC8817D0BCD}"/>
+            </a:ext>
+          </a:extLst>
+        </p:cNvPr>
+        <p:cNvGrpSpPr/>
+        <p:nvPr/>
+      </p:nvGrpSpPr>
+      <p:grpSpPr>
+        <a:xfrm>
+          <a:off x="0" y="0"/>
+          <a:ext cx="0" cy="0"/>
+          <a:chOff x="0" y="0"/>
+          <a:chExt cx="0" cy="0"/>
+        </a:xfrm>
+      </p:grpSpPr>
+      <p:sp>
+        <p:nvSpPr>
+          <p:cNvPr id="4" name="Textfeld 3">
+            <a:extLst>
+              <a:ext uri="{FF2B5EF4-FFF2-40B4-BE49-F238E27FC236}">
+                <a16:creationId xmlns:a16="http://schemas.microsoft.com/office/drawing/2014/main" id="{DE3E3C07-B35C-F27A-F3AD-B9360E9EE80C}"/>
+              </a:ext>
+            </a:extLst>
+          </p:cNvPr>
+          <p:cNvSpPr txBox="1"/>
+          <p:nvPr/>
+        </p:nvSpPr>
+        <p:spPr>
+          <a:xfrm>
+            <a:off x="4291563" y="5102720"/>
+            <a:ext cx="3608873" cy="1077218"/>
+          </a:xfrm>
+          <a:prstGeom prst="rect">
+            <a:avLst/>
+          </a:prstGeom>
+          <a:noFill/>
+        </p:spPr>
+        <p:txBody>
+          <a:bodyPr wrap="none" rtlCol="0">
+            <a:spAutoFit/>
+          </a:bodyPr>
+          <a:lstStyle/>
+          <a:p>
+            <a:pPr algn="ctr"/>
+            <a:r>
+              <a:rPr lang="de-DE" sz="3200" dirty="0"/>
+              <a:t>evidenzinformiertes </a:t>
+            </a:r>
+          </a:p>
+          <a:p>
+            <a:pPr algn="ctr"/>
+            <a:r>
+              <a:rPr lang="de-DE" sz="3200" dirty="0"/>
+              <a:t>Handeln</a:t>
+            </a:r>
+          </a:p>
+        </p:txBody>
+      </p:sp>
+      <p:pic>
+        <p:nvPicPr>
+          <p:cNvPr id="7" name="Grafik 6">
+            <a:extLst>
+              <a:ext uri="{FF2B5EF4-FFF2-40B4-BE49-F238E27FC236}">
+                <a16:creationId xmlns:a16="http://schemas.microsoft.com/office/drawing/2014/main" id="{D6884BB8-1C56-654B-74D1-D8B70F5AC4F8}"/>
+              </a:ext>
+            </a:extLst>
+          </p:cNvPr>
+          <p:cNvPicPr>
+            <a:picLocks noChangeAspect="1"/>
+          </p:cNvPicPr>
+          <p:nvPr/>
+        </p:nvPicPr>
+        <p:blipFill>
+          <a:blip r:embed="rId2"/>
+          <a:stretch>
+            <a:fillRect/>
+          </a:stretch>
+        </p:blipFill>
+        <p:spPr>
+          <a:xfrm>
+            <a:off x="0" y="177800"/>
+            <a:ext cx="3251200" cy="3251200"/>
+          </a:xfrm>
+          <a:prstGeom prst="rect">
+            <a:avLst/>
+          </a:prstGeom>
+        </p:spPr>
+      </p:pic>
+      <p:pic>
+        <p:nvPicPr>
+          <p:cNvPr id="8" name="Grafik 7">
+            <a:extLst>
+              <a:ext uri="{FF2B5EF4-FFF2-40B4-BE49-F238E27FC236}">
+                <a16:creationId xmlns:a16="http://schemas.microsoft.com/office/drawing/2014/main" id="{7C568882-AA34-B43F-461F-EA04918B3E00}"/>
+              </a:ext>
+            </a:extLst>
+          </p:cNvPr>
+          <p:cNvPicPr>
+            <a:picLocks noChangeAspect="1"/>
+          </p:cNvPicPr>
+          <p:nvPr/>
+        </p:nvPicPr>
+        <p:blipFill>
+          <a:blip r:embed="rId3"/>
+          <a:stretch>
+            <a:fillRect/>
+          </a:stretch>
+        </p:blipFill>
+        <p:spPr>
+          <a:xfrm>
+            <a:off x="8812210" y="271139"/>
+            <a:ext cx="3251200" cy="3251200"/>
+          </a:xfrm>
+          <a:prstGeom prst="rect">
+            <a:avLst/>
+          </a:prstGeom>
+        </p:spPr>
+      </p:pic>
+      <p:cxnSp>
+        <p:nvCxnSpPr>
+          <p:cNvPr id="10" name="Gerade Verbindung mit Pfeil 9">
+            <a:extLst>
+              <a:ext uri="{FF2B5EF4-FFF2-40B4-BE49-F238E27FC236}">
+                <a16:creationId xmlns:a16="http://schemas.microsoft.com/office/drawing/2014/main" id="{42EECAFB-BDC1-B036-E5FA-E81A361EA255}"/>
+              </a:ext>
+            </a:extLst>
+          </p:cNvPr>
+          <p:cNvCxnSpPr>
+            <a:cxnSpLocks/>
+            <a:stCxn id="7" idx="2"/>
+            <a:endCxn id="4" idx="0"/>
+          </p:cNvCxnSpPr>
+          <p:nvPr/>
+        </p:nvCxnSpPr>
+        <p:spPr>
+          <a:xfrm>
+            <a:off x="1625600" y="3429000"/>
+            <a:ext cx="4470400" cy="1673720"/>
+          </a:xfrm>
+          <a:prstGeom prst="straightConnector1">
+            <a:avLst/>
+          </a:prstGeom>
+          <a:ln w="38100">
+            <a:solidFill>
+              <a:schemeClr val="tx1"/>
+            </a:solidFill>
+            <a:tailEnd type="triangle"/>
+          </a:ln>
+        </p:spPr>
+        <p:style>
+          <a:lnRef idx="1">
+            <a:schemeClr val="accent1"/>
+          </a:lnRef>
+          <a:fillRef idx="0">
+            <a:schemeClr val="accent1"/>
+          </a:fillRef>
+          <a:effectRef idx="0">
+            <a:schemeClr val="accent1"/>
+          </a:effectRef>
+          <a:fontRef idx="minor">
+            <a:schemeClr val="tx1"/>
+          </a:fontRef>
+        </p:style>
+      </p:cxnSp>
+      <p:cxnSp>
+        <p:nvCxnSpPr>
+          <p:cNvPr id="12" name="Gerade Verbindung mit Pfeil 11">
+            <a:extLst>
+              <a:ext uri="{FF2B5EF4-FFF2-40B4-BE49-F238E27FC236}">
+                <a16:creationId xmlns:a16="http://schemas.microsoft.com/office/drawing/2014/main" id="{A6AFF526-2032-EAF2-AB72-065FCFCC38D4}"/>
+              </a:ext>
+            </a:extLst>
+          </p:cNvPr>
+          <p:cNvCxnSpPr>
+            <a:cxnSpLocks/>
+            <a:stCxn id="8" idx="2"/>
+            <a:endCxn id="4" idx="0"/>
+          </p:cNvCxnSpPr>
+          <p:nvPr/>
+        </p:nvCxnSpPr>
+        <p:spPr>
+          <a:xfrm flipH="1">
+            <a:off x="6096000" y="3522339"/>
+            <a:ext cx="4341810" cy="1580381"/>
+          </a:xfrm>
+          <a:prstGeom prst="straightConnector1">
+            <a:avLst/>
+          </a:prstGeom>
+          <a:ln w="38100">
+            <a:solidFill>
+              <a:schemeClr val="tx1"/>
+            </a:solidFill>
+            <a:tailEnd type="triangle"/>
+          </a:ln>
+        </p:spPr>
+        <p:style>
+          <a:lnRef idx="1">
+            <a:schemeClr val="accent1"/>
+          </a:lnRef>
+          <a:fillRef idx="0">
+            <a:schemeClr val="accent1"/>
+          </a:fillRef>
+          <a:effectRef idx="0">
+            <a:schemeClr val="accent1"/>
+          </a:effectRef>
+          <a:fontRef idx="minor">
+            <a:schemeClr val="tx1"/>
+          </a:fontRef>
+        </p:style>
+      </p:cxnSp>
+      <p:sp>
+        <p:nvSpPr>
+          <p:cNvPr id="5" name="Textfeld 4">
+            <a:extLst>
+              <a:ext uri="{FF2B5EF4-FFF2-40B4-BE49-F238E27FC236}">
+                <a16:creationId xmlns:a16="http://schemas.microsoft.com/office/drawing/2014/main" id="{1A332E6D-6B00-96AB-0CE1-B7A6A9338CB3}"/>
+              </a:ext>
+            </a:extLst>
+          </p:cNvPr>
+          <p:cNvSpPr txBox="1"/>
+          <p:nvPr/>
+        </p:nvSpPr>
+        <p:spPr>
+          <a:xfrm>
+            <a:off x="242107" y="4312529"/>
+            <a:ext cx="3147237" cy="1200329"/>
+          </a:xfrm>
+          <a:prstGeom prst="rect">
+            <a:avLst/>
+          </a:prstGeom>
+          <a:noFill/>
+        </p:spPr>
+        <p:txBody>
+          <a:bodyPr wrap="square" rtlCol="0">
+            <a:spAutoFit/>
+          </a:bodyPr>
+          <a:lstStyle/>
+          <a:p>
+            <a:pPr marL="285750" indent="-285750">
+              <a:buFont typeface="Arial" panose="020B0604020202020204" pitchFamily="34" charset="0"/>
+              <a:buChar char="•"/>
+            </a:pPr>
+            <a:r>
+              <a:rPr lang="de-DE" dirty="0">
+                <a:solidFill>
+                  <a:srgbClr val="8CD000"/>
+                </a:solidFill>
+              </a:rPr>
+              <a:t>Nützlichkeitseinschätzungen</a:t>
+            </a:r>
+          </a:p>
+          <a:p>
+            <a:pPr marL="285750" indent="-285750">
+              <a:buFont typeface="Arial" panose="020B0604020202020204" pitchFamily="34" charset="0"/>
+              <a:buChar char="•"/>
+            </a:pPr>
+            <a:r>
+              <a:rPr lang="de-DE" dirty="0">
+                <a:solidFill>
+                  <a:srgbClr val="8CD000"/>
+                </a:solidFill>
+              </a:rPr>
+              <a:t>Reflexionsfähigkeit</a:t>
+            </a:r>
+          </a:p>
+          <a:p>
+            <a:pPr marL="285750" indent="-285750">
+              <a:buFont typeface="Arial" panose="020B0604020202020204" pitchFamily="34" charset="0"/>
+              <a:buChar char="•"/>
+            </a:pPr>
+            <a:r>
+              <a:rPr lang="de-DE" dirty="0">
+                <a:solidFill>
+                  <a:srgbClr val="8CD000"/>
+                </a:solidFill>
+              </a:rPr>
+              <a:t>Methodisches Wissen</a:t>
+            </a:r>
+          </a:p>
+          <a:p>
+            <a:pPr marL="285750" indent="-285750">
+              <a:buFont typeface="Arial" panose="020B0604020202020204" pitchFamily="34" charset="0"/>
+              <a:buChar char="•"/>
+            </a:pPr>
+            <a:r>
+              <a:rPr lang="de-DE" dirty="0">
+                <a:solidFill>
+                  <a:srgbClr val="8CD000"/>
+                </a:solidFill>
+              </a:rPr>
+              <a:t>…</a:t>
+            </a:r>
+          </a:p>
+        </p:txBody>
+      </p:sp>
+      <p:sp>
+        <p:nvSpPr>
+          <p:cNvPr id="6" name="Textfeld 5">
+            <a:extLst>
+              <a:ext uri="{FF2B5EF4-FFF2-40B4-BE49-F238E27FC236}">
+                <a16:creationId xmlns:a16="http://schemas.microsoft.com/office/drawing/2014/main" id="{52A34FA8-36A0-532B-5A3E-CBA825E944D1}"/>
+              </a:ext>
+            </a:extLst>
+          </p:cNvPr>
+          <p:cNvSpPr txBox="1"/>
+          <p:nvPr/>
+        </p:nvSpPr>
+        <p:spPr>
+          <a:xfrm>
+            <a:off x="8992781" y="4312529"/>
+            <a:ext cx="3147237" cy="923330"/>
+          </a:xfrm>
+          <a:prstGeom prst="rect">
+            <a:avLst/>
+          </a:prstGeom>
+          <a:noFill/>
+        </p:spPr>
+        <p:txBody>
+          <a:bodyPr wrap="square" rtlCol="0">
+            <a:spAutoFit/>
+          </a:bodyPr>
+          <a:lstStyle/>
+          <a:p>
+            <a:pPr marL="285750" indent="-285750">
+              <a:buFont typeface="Arial" panose="020B0604020202020204" pitchFamily="34" charset="0"/>
+              <a:buChar char="•"/>
+            </a:pPr>
+            <a:r>
+              <a:rPr lang="de-DE" dirty="0">
+                <a:solidFill>
+                  <a:srgbClr val="8CD000"/>
+                </a:solidFill>
+              </a:rPr>
+              <a:t>Zugänglichkeit</a:t>
+            </a:r>
+          </a:p>
+          <a:p>
+            <a:pPr marL="285750" indent="-285750">
+              <a:buFont typeface="Arial" panose="020B0604020202020204" pitchFamily="34" charset="0"/>
+              <a:buChar char="•"/>
+            </a:pPr>
+            <a:r>
+              <a:rPr lang="de-DE">
+                <a:solidFill>
+                  <a:srgbClr val="8CD000"/>
+                </a:solidFill>
+              </a:rPr>
+              <a:t>Aufbereitung</a:t>
+            </a:r>
+          </a:p>
+          <a:p>
+            <a:pPr marL="285750" indent="-285750">
+              <a:buFont typeface="Arial" panose="020B0604020202020204" pitchFamily="34" charset="0"/>
+              <a:buChar char="•"/>
+            </a:pPr>
+            <a:r>
+              <a:rPr lang="de-DE" dirty="0">
+                <a:solidFill>
+                  <a:srgbClr val="8CD000"/>
+                </a:solidFill>
+              </a:rPr>
+              <a:t>…</a:t>
+            </a:r>
+          </a:p>
+        </p:txBody>
+      </p:sp>
+    </p:spTree>
+    <p:extLst>
+      <p:ext uri="{BB962C8B-B14F-4D97-AF65-F5344CB8AC3E}">
+        <p14:creationId xmlns:p14="http://schemas.microsoft.com/office/powerpoint/2010/main" val="2099955211"/>
       </p:ext>
     </p:extLst>
   </p:cSld>

--- a/img/Angebot-Nutzung.pptx
+++ b/img/Angebot-Nutzung.pptx
@@ -260,7 +260,7 @@
           <a:p>
             <a:fld id="{438A9FAD-80B4-B24E-A80A-544300FFDA3F}" type="datetimeFigureOut">
               <a:rPr lang="de-DE" smtClean="0"/>
-              <a:t>11.12.24</a:t>
+              <a:t>12.12.24</a:t>
             </a:fld>
             <a:endParaRPr lang="de-DE"/>
           </a:p>
@@ -458,7 +458,7 @@
           <a:p>
             <a:fld id="{438A9FAD-80B4-B24E-A80A-544300FFDA3F}" type="datetimeFigureOut">
               <a:rPr lang="de-DE" smtClean="0"/>
-              <a:t>11.12.24</a:t>
+              <a:t>12.12.24</a:t>
             </a:fld>
             <a:endParaRPr lang="de-DE"/>
           </a:p>
@@ -666,7 +666,7 @@
           <a:p>
             <a:fld id="{438A9FAD-80B4-B24E-A80A-544300FFDA3F}" type="datetimeFigureOut">
               <a:rPr lang="de-DE" smtClean="0"/>
-              <a:t>11.12.24</a:t>
+              <a:t>12.12.24</a:t>
             </a:fld>
             <a:endParaRPr lang="de-DE"/>
           </a:p>
@@ -864,7 +864,7 @@
           <a:p>
             <a:fld id="{438A9FAD-80B4-B24E-A80A-544300FFDA3F}" type="datetimeFigureOut">
               <a:rPr lang="de-DE" smtClean="0"/>
-              <a:t>11.12.24</a:t>
+              <a:t>12.12.24</a:t>
             </a:fld>
             <a:endParaRPr lang="de-DE"/>
           </a:p>
@@ -1139,7 +1139,7 @@
           <a:p>
             <a:fld id="{438A9FAD-80B4-B24E-A80A-544300FFDA3F}" type="datetimeFigureOut">
               <a:rPr lang="de-DE" smtClean="0"/>
-              <a:t>11.12.24</a:t>
+              <a:t>12.12.24</a:t>
             </a:fld>
             <a:endParaRPr lang="de-DE"/>
           </a:p>
@@ -1404,7 +1404,7 @@
           <a:p>
             <a:fld id="{438A9FAD-80B4-B24E-A80A-544300FFDA3F}" type="datetimeFigureOut">
               <a:rPr lang="de-DE" smtClean="0"/>
-              <a:t>11.12.24</a:t>
+              <a:t>12.12.24</a:t>
             </a:fld>
             <a:endParaRPr lang="de-DE"/>
           </a:p>
@@ -1816,7 +1816,7 @@
           <a:p>
             <a:fld id="{438A9FAD-80B4-B24E-A80A-544300FFDA3F}" type="datetimeFigureOut">
               <a:rPr lang="de-DE" smtClean="0"/>
-              <a:t>11.12.24</a:t>
+              <a:t>12.12.24</a:t>
             </a:fld>
             <a:endParaRPr lang="de-DE"/>
           </a:p>
@@ -1957,7 +1957,7 @@
           <a:p>
             <a:fld id="{438A9FAD-80B4-B24E-A80A-544300FFDA3F}" type="datetimeFigureOut">
               <a:rPr lang="de-DE" smtClean="0"/>
-              <a:t>11.12.24</a:t>
+              <a:t>12.12.24</a:t>
             </a:fld>
             <a:endParaRPr lang="de-DE"/>
           </a:p>
@@ -2070,7 +2070,7 @@
           <a:p>
             <a:fld id="{438A9FAD-80B4-B24E-A80A-544300FFDA3F}" type="datetimeFigureOut">
               <a:rPr lang="de-DE" smtClean="0"/>
-              <a:t>11.12.24</a:t>
+              <a:t>12.12.24</a:t>
             </a:fld>
             <a:endParaRPr lang="de-DE"/>
           </a:p>
@@ -2381,7 +2381,7 @@
           <a:p>
             <a:fld id="{438A9FAD-80B4-B24E-A80A-544300FFDA3F}" type="datetimeFigureOut">
               <a:rPr lang="de-DE" smtClean="0"/>
-              <a:t>11.12.24</a:t>
+              <a:t>12.12.24</a:t>
             </a:fld>
             <a:endParaRPr lang="de-DE"/>
           </a:p>
@@ -2669,7 +2669,7 @@
           <a:p>
             <a:fld id="{438A9FAD-80B4-B24E-A80A-544300FFDA3F}" type="datetimeFigureOut">
               <a:rPr lang="de-DE" smtClean="0"/>
-              <a:t>11.12.24</a:t>
+              <a:t>12.12.24</a:t>
             </a:fld>
             <a:endParaRPr lang="de-DE"/>
           </a:p>
@@ -2910,7 +2910,7 @@
           <a:p>
             <a:fld id="{438A9FAD-80B4-B24E-A80A-544300FFDA3F}" type="datetimeFigureOut">
               <a:rPr lang="de-DE" smtClean="0"/>
-              <a:t>11.12.24</a:t>
+              <a:t>12.12.24</a:t>
             </a:fld>
             <a:endParaRPr lang="de-DE"/>
           </a:p>
@@ -3538,6 +3538,14 @@
 <file path=ppt/slides/slide2.xml><?xml version="1.0" encoding="utf-8"?>
 <p:sld xmlns:a="http://schemas.openxmlformats.org/drawingml/2006/main" xmlns:r="http://schemas.openxmlformats.org/officeDocument/2006/relationships" xmlns:p="http://schemas.openxmlformats.org/presentationml/2006/main">
   <p:cSld>
+    <p:bg>
+      <p:bgPr>
+        <a:solidFill>
+          <a:srgbClr val="F2F2F2"/>
+        </a:solidFill>
+        <a:effectLst/>
+      </p:bgPr>
+    </p:bg>
     <p:spTree>
       <p:nvGrpSpPr>
         <p:cNvPr id="1" name="">
@@ -3572,8 +3580,8 @@
         </p:nvSpPr>
         <p:spPr>
           <a:xfrm>
-            <a:off x="4291563" y="5102720"/>
-            <a:ext cx="3608873" cy="1077218"/>
+            <a:off x="4296981" y="5780782"/>
+            <a:ext cx="3598037" cy="1077218"/>
           </a:xfrm>
           <a:prstGeom prst="rect">
             <a:avLst/>
@@ -3589,7 +3597,7 @@
             <a:pPr algn="ctr"/>
             <a:r>
               <a:rPr lang="de-DE" sz="3200" dirty="0"/>
-              <a:t>evidenzinformiertes </a:t>
+              <a:t>Evidenzinformiertes </a:t>
             </a:r>
           </a:p>
           <a:p>
@@ -3603,10 +3611,10 @@
       </p:sp>
       <p:pic>
         <p:nvPicPr>
-          <p:cNvPr id="7" name="Grafik 6">
-            <a:extLst>
-              <a:ext uri="{FF2B5EF4-FFF2-40B4-BE49-F238E27FC236}">
-                <a16:creationId xmlns:a16="http://schemas.microsoft.com/office/drawing/2014/main" id="{D6884BB8-1C56-654B-74D1-D8B70F5AC4F8}"/>
+          <p:cNvPr id="8" name="Grafik 7">
+            <a:extLst>
+              <a:ext uri="{FF2B5EF4-FFF2-40B4-BE49-F238E27FC236}">
+                <a16:creationId xmlns:a16="http://schemas.microsoft.com/office/drawing/2014/main" id="{7C568882-AA34-B43F-461F-EA04918B3E00}"/>
               </a:ext>
             </a:extLst>
           </p:cNvPr>
@@ -3623,7 +3631,7 @@
         </p:blipFill>
         <p:spPr>
           <a:xfrm>
-            <a:off x="0" y="177800"/>
+            <a:off x="8652258" y="371438"/>
             <a:ext cx="3251200" cy="3251200"/>
           </a:xfrm>
           <a:prstGeom prst="rect">
@@ -3631,56 +3639,282 @@
           </a:prstGeom>
         </p:spPr>
       </p:pic>
-      <p:pic>
-        <p:nvPicPr>
-          <p:cNvPr id="8" name="Grafik 7">
-            <a:extLst>
-              <a:ext uri="{FF2B5EF4-FFF2-40B4-BE49-F238E27FC236}">
-                <a16:creationId xmlns:a16="http://schemas.microsoft.com/office/drawing/2014/main" id="{7C568882-AA34-B43F-461F-EA04918B3E00}"/>
-              </a:ext>
-            </a:extLst>
-          </p:cNvPr>
-          <p:cNvPicPr>
-            <a:picLocks noChangeAspect="1"/>
-          </p:cNvPicPr>
+      <p:sp>
+        <p:nvSpPr>
+          <p:cNvPr id="5" name="Textfeld 4">
+            <a:extLst>
+              <a:ext uri="{FF2B5EF4-FFF2-40B4-BE49-F238E27FC236}">
+                <a16:creationId xmlns:a16="http://schemas.microsoft.com/office/drawing/2014/main" id="{1A332E6D-6B00-96AB-0CE1-B7A6A9338CB3}"/>
+              </a:ext>
+            </a:extLst>
+          </p:cNvPr>
+          <p:cNvSpPr txBox="1"/>
           <p:nvPr/>
-        </p:nvPicPr>
-        <p:blipFill>
-          <a:blip r:embed="rId3"/>
-          <a:stretch>
-            <a:fillRect/>
-          </a:stretch>
-        </p:blipFill>
+        </p:nvSpPr>
         <p:spPr>
           <a:xfrm>
-            <a:off x="8812210" y="271139"/>
-            <a:ext cx="3251200" cy="3251200"/>
+            <a:off x="309314" y="3453369"/>
+            <a:ext cx="3147237" cy="1200329"/>
           </a:xfrm>
           <a:prstGeom prst="rect">
             <a:avLst/>
           </a:prstGeom>
+          <a:noFill/>
         </p:spPr>
-      </p:pic>
+        <p:txBody>
+          <a:bodyPr wrap="square" rtlCol="0">
+            <a:spAutoFit/>
+          </a:bodyPr>
+          <a:lstStyle/>
+          <a:p>
+            <a:pPr marL="285750" indent="-285750">
+              <a:buFont typeface="Arial" panose="020B0604020202020204" pitchFamily="34" charset="0"/>
+              <a:buChar char="•"/>
+            </a:pPr>
+            <a:r>
+              <a:rPr lang="de-DE" dirty="0">
+                <a:solidFill>
+                  <a:srgbClr val="267326"/>
+                </a:solidFill>
+              </a:rPr>
+              <a:t>Nützlichkeitseinschätzungen</a:t>
+            </a:r>
+          </a:p>
+          <a:p>
+            <a:pPr marL="285750" indent="-285750">
+              <a:buFont typeface="Arial" panose="020B0604020202020204" pitchFamily="34" charset="0"/>
+              <a:buChar char="•"/>
+            </a:pPr>
+            <a:r>
+              <a:rPr lang="de-DE" dirty="0">
+                <a:solidFill>
+                  <a:srgbClr val="267326"/>
+                </a:solidFill>
+              </a:rPr>
+              <a:t>Reflexionsfähigkeit</a:t>
+            </a:r>
+          </a:p>
+          <a:p>
+            <a:pPr marL="285750" indent="-285750">
+              <a:buFont typeface="Arial" panose="020B0604020202020204" pitchFamily="34" charset="0"/>
+              <a:buChar char="•"/>
+            </a:pPr>
+            <a:r>
+              <a:rPr lang="de-DE" dirty="0">
+                <a:solidFill>
+                  <a:srgbClr val="267326"/>
+                </a:solidFill>
+              </a:rPr>
+              <a:t>Methodisches Wissen</a:t>
+            </a:r>
+          </a:p>
+          <a:p>
+            <a:pPr marL="285750" indent="-285750">
+              <a:buFont typeface="Arial" panose="020B0604020202020204" pitchFamily="34" charset="0"/>
+              <a:buChar char="•"/>
+            </a:pPr>
+            <a:r>
+              <a:rPr lang="de-DE" dirty="0">
+                <a:solidFill>
+                  <a:srgbClr val="267326"/>
+                </a:solidFill>
+              </a:rPr>
+              <a:t>…</a:t>
+            </a:r>
+          </a:p>
+        </p:txBody>
+      </p:sp>
+      <p:sp>
+        <p:nvSpPr>
+          <p:cNvPr id="6" name="Textfeld 5">
+            <a:extLst>
+              <a:ext uri="{FF2B5EF4-FFF2-40B4-BE49-F238E27FC236}">
+                <a16:creationId xmlns:a16="http://schemas.microsoft.com/office/drawing/2014/main" id="{52A34FA8-36A0-532B-5A3E-CBA825E944D1}"/>
+              </a:ext>
+            </a:extLst>
+          </p:cNvPr>
+          <p:cNvSpPr txBox="1"/>
+          <p:nvPr/>
+        </p:nvSpPr>
+        <p:spPr>
+          <a:xfrm>
+            <a:off x="8652258" y="3522339"/>
+            <a:ext cx="3147237" cy="923330"/>
+          </a:xfrm>
+          <a:prstGeom prst="rect">
+            <a:avLst/>
+          </a:prstGeom>
+          <a:noFill/>
+        </p:spPr>
+        <p:txBody>
+          <a:bodyPr wrap="square" rtlCol="0">
+            <a:spAutoFit/>
+          </a:bodyPr>
+          <a:lstStyle/>
+          <a:p>
+            <a:pPr marL="285750" indent="-285750">
+              <a:buFont typeface="Arial" panose="020B0604020202020204" pitchFamily="34" charset="0"/>
+              <a:buChar char="•"/>
+            </a:pPr>
+            <a:r>
+              <a:rPr lang="de-DE" dirty="0">
+                <a:solidFill>
+                  <a:srgbClr val="267326"/>
+                </a:solidFill>
+              </a:rPr>
+              <a:t>Zugänglichkeit</a:t>
+            </a:r>
+          </a:p>
+          <a:p>
+            <a:pPr marL="285750" indent="-285750">
+              <a:buFont typeface="Arial" panose="020B0604020202020204" pitchFamily="34" charset="0"/>
+              <a:buChar char="•"/>
+            </a:pPr>
+            <a:r>
+              <a:rPr lang="de-DE" dirty="0">
+                <a:solidFill>
+                  <a:srgbClr val="267326"/>
+                </a:solidFill>
+              </a:rPr>
+              <a:t>Aufbereitung</a:t>
+            </a:r>
+          </a:p>
+          <a:p>
+            <a:pPr marL="285750" indent="-285750">
+              <a:buFont typeface="Arial" panose="020B0604020202020204" pitchFamily="34" charset="0"/>
+              <a:buChar char="•"/>
+            </a:pPr>
+            <a:r>
+              <a:rPr lang="de-DE" dirty="0">
+                <a:solidFill>
+                  <a:srgbClr val="267326"/>
+                </a:solidFill>
+              </a:rPr>
+              <a:t>…</a:t>
+            </a:r>
+          </a:p>
+        </p:txBody>
+      </p:sp>
+      <p:sp>
+        <p:nvSpPr>
+          <p:cNvPr id="2" name="Rechteck 1">
+            <a:extLst>
+              <a:ext uri="{FF2B5EF4-FFF2-40B4-BE49-F238E27FC236}">
+                <a16:creationId xmlns:a16="http://schemas.microsoft.com/office/drawing/2014/main" id="{C04B294E-9F69-90F5-BABE-311607FC1647}"/>
+              </a:ext>
+            </a:extLst>
+          </p:cNvPr>
+          <p:cNvSpPr/>
+          <p:nvPr/>
+        </p:nvSpPr>
+        <p:spPr>
+          <a:xfrm>
+            <a:off x="128590" y="177800"/>
+            <a:ext cx="3571103" cy="4579937"/>
+          </a:xfrm>
+          <a:prstGeom prst="rect">
+            <a:avLst/>
+          </a:prstGeom>
+          <a:noFill/>
+          <a:ln w="38100">
+            <a:solidFill>
+              <a:srgbClr val="267326"/>
+            </a:solidFill>
+          </a:ln>
+        </p:spPr>
+        <p:style>
+          <a:lnRef idx="2">
+            <a:schemeClr val="accent6"/>
+          </a:lnRef>
+          <a:fillRef idx="1">
+            <a:schemeClr val="lt1"/>
+          </a:fillRef>
+          <a:effectRef idx="0">
+            <a:schemeClr val="accent6"/>
+          </a:effectRef>
+          <a:fontRef idx="minor">
+            <a:schemeClr val="dk1"/>
+          </a:fontRef>
+        </p:style>
+        <p:txBody>
+          <a:bodyPr rtlCol="0" anchor="ctr"/>
+          <a:lstStyle/>
+          <a:p>
+            <a:pPr algn="ctr"/>
+            <a:endParaRPr lang="de-DE">
+              <a:solidFill>
+                <a:srgbClr val="267326"/>
+              </a:solidFill>
+            </a:endParaRPr>
+          </a:p>
+        </p:txBody>
+      </p:sp>
+      <p:sp>
+        <p:nvSpPr>
+          <p:cNvPr id="9" name="Rechteck 8">
+            <a:extLst>
+              <a:ext uri="{FF2B5EF4-FFF2-40B4-BE49-F238E27FC236}">
+                <a16:creationId xmlns:a16="http://schemas.microsoft.com/office/drawing/2014/main" id="{53117A26-6FD6-7E9D-EB83-AEF018B03FFB}"/>
+              </a:ext>
+            </a:extLst>
+          </p:cNvPr>
+          <p:cNvSpPr/>
+          <p:nvPr/>
+        </p:nvSpPr>
+        <p:spPr>
+          <a:xfrm>
+            <a:off x="8492307" y="177800"/>
+            <a:ext cx="3571103" cy="4579936"/>
+          </a:xfrm>
+          <a:prstGeom prst="rect">
+            <a:avLst/>
+          </a:prstGeom>
+          <a:noFill/>
+          <a:ln w="38100">
+            <a:solidFill>
+              <a:srgbClr val="267326"/>
+            </a:solidFill>
+          </a:ln>
+        </p:spPr>
+        <p:style>
+          <a:lnRef idx="2">
+            <a:schemeClr val="accent6"/>
+          </a:lnRef>
+          <a:fillRef idx="1">
+            <a:schemeClr val="lt1"/>
+          </a:fillRef>
+          <a:effectRef idx="0">
+            <a:schemeClr val="accent6"/>
+          </a:effectRef>
+          <a:fontRef idx="minor">
+            <a:schemeClr val="dk1"/>
+          </a:fontRef>
+        </p:style>
+        <p:txBody>
+          <a:bodyPr rtlCol="0" anchor="ctr"/>
+          <a:lstStyle/>
+          <a:p>
+            <a:pPr algn="ctr"/>
+            <a:endParaRPr lang="de-DE"/>
+          </a:p>
+        </p:txBody>
+      </p:sp>
       <p:cxnSp>
         <p:nvCxnSpPr>
-          <p:cNvPr id="10" name="Gerade Verbindung mit Pfeil 9">
-            <a:extLst>
-              <a:ext uri="{FF2B5EF4-FFF2-40B4-BE49-F238E27FC236}">
-                <a16:creationId xmlns:a16="http://schemas.microsoft.com/office/drawing/2014/main" id="{42EECAFB-BDC1-B036-E5FA-E81A361EA255}"/>
-              </a:ext>
-            </a:extLst>
-          </p:cNvPr>
-          <p:cNvCxnSpPr>
-            <a:cxnSpLocks/>
-            <a:stCxn id="7" idx="2"/>
-            <a:endCxn id="4" idx="0"/>
-          </p:cNvCxnSpPr>
+          <p:cNvPr id="17" name="Gerade Verbindung mit Pfeil 16">
+            <a:extLst>
+              <a:ext uri="{FF2B5EF4-FFF2-40B4-BE49-F238E27FC236}">
+                <a16:creationId xmlns:a16="http://schemas.microsoft.com/office/drawing/2014/main" id="{C673B9F9-F59C-9AAA-FFC9-3CC013629833}"/>
+              </a:ext>
+            </a:extLst>
+          </p:cNvPr>
+          <p:cNvCxnSpPr/>
           <p:nvPr/>
         </p:nvCxnSpPr>
         <p:spPr>
           <a:xfrm>
-            <a:off x="1625600" y="3429000"/>
-            <a:ext cx="4470400" cy="1673720"/>
+            <a:off x="3699692" y="1638465"/>
+            <a:ext cx="4792614" cy="0"/>
           </a:xfrm>
           <a:prstGeom prst="straightConnector1">
             <a:avLst/>
@@ -3689,6 +3923,7 @@
             <a:solidFill>
               <a:schemeClr val="tx1"/>
             </a:solidFill>
+            <a:prstDash val="dash"/>
             <a:tailEnd type="triangle"/>
           </a:ln>
         </p:spPr>
@@ -3709,24 +3944,20 @@
       </p:cxnSp>
       <p:cxnSp>
         <p:nvCxnSpPr>
-          <p:cNvPr id="12" name="Gerade Verbindung mit Pfeil 11">
-            <a:extLst>
-              <a:ext uri="{FF2B5EF4-FFF2-40B4-BE49-F238E27FC236}">
-                <a16:creationId xmlns:a16="http://schemas.microsoft.com/office/drawing/2014/main" id="{A6AFF526-2032-EAF2-AB72-065FCFCC38D4}"/>
-              </a:ext>
-            </a:extLst>
-          </p:cNvPr>
-          <p:cNvCxnSpPr>
-            <a:cxnSpLocks/>
-            <a:stCxn id="8" idx="2"/>
-            <a:endCxn id="4" idx="0"/>
-          </p:cNvCxnSpPr>
+          <p:cNvPr id="18" name="Gerade Verbindung mit Pfeil 17">
+            <a:extLst>
+              <a:ext uri="{FF2B5EF4-FFF2-40B4-BE49-F238E27FC236}">
+                <a16:creationId xmlns:a16="http://schemas.microsoft.com/office/drawing/2014/main" id="{95CB6853-E940-9ED7-1708-1653428B95CE}"/>
+              </a:ext>
+            </a:extLst>
+          </p:cNvPr>
+          <p:cNvCxnSpPr/>
           <p:nvPr/>
         </p:nvCxnSpPr>
         <p:spPr>
-          <a:xfrm flipH="1">
-            <a:off x="6096000" y="3522339"/>
-            <a:ext cx="4341810" cy="1580381"/>
+          <a:xfrm>
+            <a:off x="3699693" y="2940685"/>
+            <a:ext cx="4792614" cy="0"/>
           </a:xfrm>
           <a:prstGeom prst="straightConnector1">
             <a:avLst/>
@@ -3735,7 +3966,9 @@
             <a:solidFill>
               <a:schemeClr val="tx1"/>
             </a:solidFill>
-            <a:tailEnd type="triangle"/>
+            <a:prstDash val="dash"/>
+            <a:headEnd type="triangle"/>
+            <a:tailEnd type="none"/>
           </a:ln>
         </p:spPr>
         <p:style>
@@ -3755,10 +3988,10 @@
       </p:cxnSp>
       <p:sp>
         <p:nvSpPr>
-          <p:cNvPr id="5" name="Textfeld 4">
-            <a:extLst>
-              <a:ext uri="{FF2B5EF4-FFF2-40B4-BE49-F238E27FC236}">
-                <a16:creationId xmlns:a16="http://schemas.microsoft.com/office/drawing/2014/main" id="{1A332E6D-6B00-96AB-0CE1-B7A6A9338CB3}"/>
+          <p:cNvPr id="19" name="Textfeld 18">
+            <a:extLst>
+              <a:ext uri="{FF2B5EF4-FFF2-40B4-BE49-F238E27FC236}">
+                <a16:creationId xmlns:a16="http://schemas.microsoft.com/office/drawing/2014/main" id="{61F88981-8DF2-3D82-0099-4B6D79E6001F}"/>
               </a:ext>
             </a:extLst>
           </p:cNvPr>
@@ -3767,8 +4000,8 @@
         </p:nvSpPr>
         <p:spPr>
           <a:xfrm>
-            <a:off x="242107" y="4312529"/>
-            <a:ext cx="3147237" cy="1200329"/>
+            <a:off x="1092608" y="271138"/>
+            <a:ext cx="1643063" cy="523186"/>
           </a:xfrm>
           <a:prstGeom prst="rect">
             <a:avLst/>
@@ -3781,69 +4014,19 @@
           </a:bodyPr>
           <a:lstStyle/>
           <a:p>
-            <a:pPr marL="285750" indent="-285750">
-              <a:buFont typeface="Arial" panose="020B0604020202020204" pitchFamily="34" charset="0"/>
-              <a:buChar char="•"/>
-            </a:pPr>
-            <a:r>
-              <a:rPr lang="de-DE" dirty="0">
-                <a:solidFill>
-                  <a:srgbClr val="8CD000"/>
-                </a:solidFill>
-              </a:rPr>
-              <a:t>Nützlichkeitseinschätzungen</a:t>
-            </a:r>
-          </a:p>
-          <a:p>
-            <a:pPr marL="285750" indent="-285750">
-              <a:buFont typeface="Arial" panose="020B0604020202020204" pitchFamily="34" charset="0"/>
-              <a:buChar char="•"/>
-            </a:pPr>
-            <a:r>
-              <a:rPr lang="de-DE" dirty="0">
-                <a:solidFill>
-                  <a:srgbClr val="8CD000"/>
-                </a:solidFill>
-              </a:rPr>
-              <a:t>Reflexionsfähigkeit</a:t>
-            </a:r>
-          </a:p>
-          <a:p>
-            <a:pPr marL="285750" indent="-285750">
-              <a:buFont typeface="Arial" panose="020B0604020202020204" pitchFamily="34" charset="0"/>
-              <a:buChar char="•"/>
-            </a:pPr>
-            <a:r>
-              <a:rPr lang="de-DE" dirty="0">
-                <a:solidFill>
-                  <a:srgbClr val="8CD000"/>
-                </a:solidFill>
-              </a:rPr>
-              <a:t>Methodisches Wissen</a:t>
-            </a:r>
-          </a:p>
-          <a:p>
-            <a:pPr marL="285750" indent="-285750">
-              <a:buFont typeface="Arial" panose="020B0604020202020204" pitchFamily="34" charset="0"/>
-              <a:buChar char="•"/>
-            </a:pPr>
-            <a:r>
-              <a:rPr lang="de-DE" dirty="0">
-                <a:solidFill>
-                  <a:srgbClr val="8CD000"/>
-                </a:solidFill>
-              </a:rPr>
-              <a:t>…</a:t>
-            </a:r>
-          </a:p>
-        </p:txBody>
-      </p:sp>
-      <p:sp>
-        <p:nvSpPr>
-          <p:cNvPr id="6" name="Textfeld 5">
-            <a:extLst>
-              <a:ext uri="{FF2B5EF4-FFF2-40B4-BE49-F238E27FC236}">
-                <a16:creationId xmlns:a16="http://schemas.microsoft.com/office/drawing/2014/main" id="{52A34FA8-36A0-532B-5A3E-CBA825E944D1}"/>
+            <a:r>
+              <a:rPr lang="de-DE" sz="2800" dirty="0"/>
+              <a:t>Nutzende</a:t>
+            </a:r>
+          </a:p>
+        </p:txBody>
+      </p:sp>
+      <p:sp>
+        <p:nvSpPr>
+          <p:cNvPr id="20" name="Textfeld 19">
+            <a:extLst>
+              <a:ext uri="{FF2B5EF4-FFF2-40B4-BE49-F238E27FC236}">
+                <a16:creationId xmlns:a16="http://schemas.microsoft.com/office/drawing/2014/main" id="{F3F29368-F479-AED2-060E-B062E7A3462D}"/>
               </a:ext>
             </a:extLst>
           </p:cNvPr>
@@ -3852,8 +4035,8 @@
         </p:nvSpPr>
         <p:spPr>
           <a:xfrm>
-            <a:off x="8992781" y="4312529"/>
-            <a:ext cx="3147237" cy="923330"/>
+            <a:off x="9561712" y="270813"/>
+            <a:ext cx="1432289" cy="523186"/>
           </a:xfrm>
           <a:prstGeom prst="rect">
             <a:avLst/>
@@ -3866,49 +4049,43 @@
           </a:bodyPr>
           <a:lstStyle/>
           <a:p>
-            <a:pPr marL="285750" indent="-285750">
-              <a:buFont typeface="Arial" panose="020B0604020202020204" pitchFamily="34" charset="0"/>
-              <a:buChar char="•"/>
-            </a:pPr>
-            <a:r>
-              <a:rPr lang="de-DE" dirty="0">
-                <a:solidFill>
-                  <a:srgbClr val="8CD000"/>
-                </a:solidFill>
-              </a:rPr>
-              <a:t>Zugänglichkeit</a:t>
-            </a:r>
-          </a:p>
-          <a:p>
-            <a:pPr marL="285750" indent="-285750">
-              <a:buFont typeface="Arial" panose="020B0604020202020204" pitchFamily="34" charset="0"/>
-              <a:buChar char="•"/>
-            </a:pPr>
-            <a:r>
-              <a:rPr lang="de-DE">
-                <a:solidFill>
-                  <a:srgbClr val="8CD000"/>
-                </a:solidFill>
-              </a:rPr>
-              <a:t>Aufbereitung</a:t>
-            </a:r>
-          </a:p>
-          <a:p>
-            <a:pPr marL="285750" indent="-285750">
-              <a:buFont typeface="Arial" panose="020B0604020202020204" pitchFamily="34" charset="0"/>
-              <a:buChar char="•"/>
-            </a:pPr>
-            <a:r>
-              <a:rPr lang="de-DE" dirty="0">
-                <a:solidFill>
-                  <a:srgbClr val="8CD000"/>
-                </a:solidFill>
-              </a:rPr>
-              <a:t>…</a:t>
-            </a:r>
-          </a:p>
-        </p:txBody>
-      </p:sp>
+            <a:r>
+              <a:rPr lang="de-DE" sz="2800" dirty="0"/>
+              <a:t>Angebot</a:t>
+            </a:r>
+          </a:p>
+        </p:txBody>
+      </p:sp>
+      <p:pic>
+        <p:nvPicPr>
+          <p:cNvPr id="13" name="Grafik 12">
+            <a:extLst>
+              <a:ext uri="{FF2B5EF4-FFF2-40B4-BE49-F238E27FC236}">
+                <a16:creationId xmlns:a16="http://schemas.microsoft.com/office/drawing/2014/main" id="{A62EE464-EF66-83DF-828F-57B0ACB735FD}"/>
+              </a:ext>
+            </a:extLst>
+          </p:cNvPr>
+          <p:cNvPicPr>
+            <a:picLocks noChangeAspect="1"/>
+          </p:cNvPicPr>
+          <p:nvPr/>
+        </p:nvPicPr>
+        <p:blipFill>
+          <a:blip r:embed="rId3"/>
+          <a:stretch>
+            <a:fillRect/>
+          </a:stretch>
+        </p:blipFill>
+        <p:spPr>
+          <a:xfrm>
+            <a:off x="340520" y="823563"/>
+            <a:ext cx="3147237" cy="2517789"/>
+          </a:xfrm>
+          <a:prstGeom prst="rect">
+            <a:avLst/>
+          </a:prstGeom>
+        </p:spPr>
+      </p:pic>
     </p:spTree>
     <p:extLst>
       <p:ext uri="{BB962C8B-B14F-4D97-AF65-F5344CB8AC3E}">

--- a/img/Angebot-Nutzung.pptx
+++ b/img/Angebot-Nutzung.pptx
@@ -5,8 +5,7 @@
     <p:sldMasterId id="2147483648" r:id="rId1"/>
   </p:sldMasterIdLst>
   <p:sldIdLst>
-    <p:sldId id="256" r:id="rId2"/>
-    <p:sldId id="257" r:id="rId3"/>
+    <p:sldId id="257" r:id="rId2"/>
   </p:sldIdLst>
   <p:sldSz cx="12192000" cy="6858000"/>
   <p:notesSz cx="6858000" cy="9144000"/>
@@ -260,7 +259,7 @@
           <a:p>
             <a:fld id="{438A9FAD-80B4-B24E-A80A-544300FFDA3F}" type="datetimeFigureOut">
               <a:rPr lang="de-DE" smtClean="0"/>
-              <a:t>12.12.24</a:t>
+              <a:t>19.12.24</a:t>
             </a:fld>
             <a:endParaRPr lang="de-DE"/>
           </a:p>
@@ -458,7 +457,7 @@
           <a:p>
             <a:fld id="{438A9FAD-80B4-B24E-A80A-544300FFDA3F}" type="datetimeFigureOut">
               <a:rPr lang="de-DE" smtClean="0"/>
-              <a:t>12.12.24</a:t>
+              <a:t>19.12.24</a:t>
             </a:fld>
             <a:endParaRPr lang="de-DE"/>
           </a:p>
@@ -666,7 +665,7 @@
           <a:p>
             <a:fld id="{438A9FAD-80B4-B24E-A80A-544300FFDA3F}" type="datetimeFigureOut">
               <a:rPr lang="de-DE" smtClean="0"/>
-              <a:t>12.12.24</a:t>
+              <a:t>19.12.24</a:t>
             </a:fld>
             <a:endParaRPr lang="de-DE"/>
           </a:p>
@@ -864,7 +863,7 @@
           <a:p>
             <a:fld id="{438A9FAD-80B4-B24E-A80A-544300FFDA3F}" type="datetimeFigureOut">
               <a:rPr lang="de-DE" smtClean="0"/>
-              <a:t>12.12.24</a:t>
+              <a:t>19.12.24</a:t>
             </a:fld>
             <a:endParaRPr lang="de-DE"/>
           </a:p>
@@ -1139,7 +1138,7 @@
           <a:p>
             <a:fld id="{438A9FAD-80B4-B24E-A80A-544300FFDA3F}" type="datetimeFigureOut">
               <a:rPr lang="de-DE" smtClean="0"/>
-              <a:t>12.12.24</a:t>
+              <a:t>19.12.24</a:t>
             </a:fld>
             <a:endParaRPr lang="de-DE"/>
           </a:p>
@@ -1404,7 +1403,7 @@
           <a:p>
             <a:fld id="{438A9FAD-80B4-B24E-A80A-544300FFDA3F}" type="datetimeFigureOut">
               <a:rPr lang="de-DE" smtClean="0"/>
-              <a:t>12.12.24</a:t>
+              <a:t>19.12.24</a:t>
             </a:fld>
             <a:endParaRPr lang="de-DE"/>
           </a:p>
@@ -1816,7 +1815,7 @@
           <a:p>
             <a:fld id="{438A9FAD-80B4-B24E-A80A-544300FFDA3F}" type="datetimeFigureOut">
               <a:rPr lang="de-DE" smtClean="0"/>
-              <a:t>12.12.24</a:t>
+              <a:t>19.12.24</a:t>
             </a:fld>
             <a:endParaRPr lang="de-DE"/>
           </a:p>
@@ -1957,7 +1956,7 @@
           <a:p>
             <a:fld id="{438A9FAD-80B4-B24E-A80A-544300FFDA3F}" type="datetimeFigureOut">
               <a:rPr lang="de-DE" smtClean="0"/>
-              <a:t>12.12.24</a:t>
+              <a:t>19.12.24</a:t>
             </a:fld>
             <a:endParaRPr lang="de-DE"/>
           </a:p>
@@ -2070,7 +2069,7 @@
           <a:p>
             <a:fld id="{438A9FAD-80B4-B24E-A80A-544300FFDA3F}" type="datetimeFigureOut">
               <a:rPr lang="de-DE" smtClean="0"/>
-              <a:t>12.12.24</a:t>
+              <a:t>19.12.24</a:t>
             </a:fld>
             <a:endParaRPr lang="de-DE"/>
           </a:p>
@@ -2381,7 +2380,7 @@
           <a:p>
             <a:fld id="{438A9FAD-80B4-B24E-A80A-544300FFDA3F}" type="datetimeFigureOut">
               <a:rPr lang="de-DE" smtClean="0"/>
-              <a:t>12.12.24</a:t>
+              <a:t>19.12.24</a:t>
             </a:fld>
             <a:endParaRPr lang="de-DE"/>
           </a:p>
@@ -2669,7 +2668,7 @@
           <a:p>
             <a:fld id="{438A9FAD-80B4-B24E-A80A-544300FFDA3F}" type="datetimeFigureOut">
               <a:rPr lang="de-DE" smtClean="0"/>
-              <a:t>12.12.24</a:t>
+              <a:t>19.12.24</a:t>
             </a:fld>
             <a:endParaRPr lang="de-DE"/>
           </a:p>
@@ -2910,7 +2909,7 @@
           <a:p>
             <a:fld id="{438A9FAD-80B4-B24E-A80A-544300FFDA3F}" type="datetimeFigureOut">
               <a:rPr lang="de-DE" smtClean="0"/>
-              <a:t>12.12.24</a:t>
+              <a:t>19.12.24</a:t>
             </a:fld>
             <a:endParaRPr lang="de-DE"/>
           </a:p>
@@ -3311,231 +3310,6 @@
 </file>
 
 <file path=ppt/slides/slide1.xml><?xml version="1.0" encoding="utf-8"?>
-<p:sld xmlns:a="http://schemas.openxmlformats.org/drawingml/2006/main" xmlns:r="http://schemas.openxmlformats.org/officeDocument/2006/relationships" xmlns:p="http://schemas.openxmlformats.org/presentationml/2006/main">
-  <p:cSld>
-    <p:spTree>
-      <p:nvGrpSpPr>
-        <p:cNvPr id="1" name=""/>
-        <p:cNvGrpSpPr/>
-        <p:nvPr/>
-      </p:nvGrpSpPr>
-      <p:grpSpPr>
-        <a:xfrm>
-          <a:off x="0" y="0"/>
-          <a:ext cx="0" cy="0"/>
-          <a:chOff x="0" y="0"/>
-          <a:chExt cx="0" cy="0"/>
-        </a:xfrm>
-      </p:grpSpPr>
-      <p:sp>
-        <p:nvSpPr>
-          <p:cNvPr id="4" name="Textfeld 3">
-            <a:extLst>
-              <a:ext uri="{FF2B5EF4-FFF2-40B4-BE49-F238E27FC236}">
-                <a16:creationId xmlns:a16="http://schemas.microsoft.com/office/drawing/2014/main" id="{CBCA71DD-4FF0-F933-04C9-5F64140EAC42}"/>
-              </a:ext>
-            </a:extLst>
-          </p:cNvPr>
-          <p:cNvSpPr txBox="1"/>
-          <p:nvPr/>
-        </p:nvSpPr>
-        <p:spPr>
-          <a:xfrm>
-            <a:off x="4291563" y="5102720"/>
-            <a:ext cx="3608873" cy="1077218"/>
-          </a:xfrm>
-          <a:prstGeom prst="rect">
-            <a:avLst/>
-          </a:prstGeom>
-          <a:noFill/>
-        </p:spPr>
-        <p:txBody>
-          <a:bodyPr wrap="none" rtlCol="0">
-            <a:spAutoFit/>
-          </a:bodyPr>
-          <a:lstStyle/>
-          <a:p>
-            <a:pPr algn="ctr"/>
-            <a:r>
-              <a:rPr lang="de-DE" sz="3200" dirty="0"/>
-              <a:t>evidenzinformiertes </a:t>
-            </a:r>
-          </a:p>
-          <a:p>
-            <a:pPr algn="ctr"/>
-            <a:r>
-              <a:rPr lang="de-DE" sz="3200" dirty="0"/>
-              <a:t>Handeln</a:t>
-            </a:r>
-          </a:p>
-        </p:txBody>
-      </p:sp>
-      <p:pic>
-        <p:nvPicPr>
-          <p:cNvPr id="7" name="Grafik 6">
-            <a:extLst>
-              <a:ext uri="{FF2B5EF4-FFF2-40B4-BE49-F238E27FC236}">
-                <a16:creationId xmlns:a16="http://schemas.microsoft.com/office/drawing/2014/main" id="{FAE455FD-EBED-FD8B-5438-3ABCED0EA111}"/>
-              </a:ext>
-            </a:extLst>
-          </p:cNvPr>
-          <p:cNvPicPr>
-            <a:picLocks noChangeAspect="1"/>
-          </p:cNvPicPr>
-          <p:nvPr/>
-        </p:nvPicPr>
-        <p:blipFill>
-          <a:blip r:embed="rId2"/>
-          <a:stretch>
-            <a:fillRect/>
-          </a:stretch>
-        </p:blipFill>
-        <p:spPr>
-          <a:xfrm>
-            <a:off x="0" y="177800"/>
-            <a:ext cx="3251200" cy="3251200"/>
-          </a:xfrm>
-          <a:prstGeom prst="rect">
-            <a:avLst/>
-          </a:prstGeom>
-        </p:spPr>
-      </p:pic>
-      <p:pic>
-        <p:nvPicPr>
-          <p:cNvPr id="8" name="Grafik 7">
-            <a:extLst>
-              <a:ext uri="{FF2B5EF4-FFF2-40B4-BE49-F238E27FC236}">
-                <a16:creationId xmlns:a16="http://schemas.microsoft.com/office/drawing/2014/main" id="{C9E4AFC9-785D-9D79-C0D6-38E20FE295F6}"/>
-              </a:ext>
-            </a:extLst>
-          </p:cNvPr>
-          <p:cNvPicPr>
-            <a:picLocks noChangeAspect="1"/>
-          </p:cNvPicPr>
-          <p:nvPr/>
-        </p:nvPicPr>
-        <p:blipFill>
-          <a:blip r:embed="rId3"/>
-          <a:stretch>
-            <a:fillRect/>
-          </a:stretch>
-        </p:blipFill>
-        <p:spPr>
-          <a:xfrm>
-            <a:off x="8812210" y="271139"/>
-            <a:ext cx="3251200" cy="3251200"/>
-          </a:xfrm>
-          <a:prstGeom prst="rect">
-            <a:avLst/>
-          </a:prstGeom>
-        </p:spPr>
-      </p:pic>
-      <p:cxnSp>
-        <p:nvCxnSpPr>
-          <p:cNvPr id="10" name="Gerade Verbindung mit Pfeil 9">
-            <a:extLst>
-              <a:ext uri="{FF2B5EF4-FFF2-40B4-BE49-F238E27FC236}">
-                <a16:creationId xmlns:a16="http://schemas.microsoft.com/office/drawing/2014/main" id="{38F458C3-1CDD-AF2C-8CBB-329CB1981E02}"/>
-              </a:ext>
-            </a:extLst>
-          </p:cNvPr>
-          <p:cNvCxnSpPr>
-            <a:cxnSpLocks/>
-            <a:stCxn id="7" idx="2"/>
-            <a:endCxn id="4" idx="0"/>
-          </p:cNvCxnSpPr>
-          <p:nvPr/>
-        </p:nvCxnSpPr>
-        <p:spPr>
-          <a:xfrm>
-            <a:off x="1625600" y="3429000"/>
-            <a:ext cx="4470400" cy="1673720"/>
-          </a:xfrm>
-          <a:prstGeom prst="straightConnector1">
-            <a:avLst/>
-          </a:prstGeom>
-          <a:ln w="38100">
-            <a:solidFill>
-              <a:schemeClr val="tx1"/>
-            </a:solidFill>
-            <a:tailEnd type="triangle"/>
-          </a:ln>
-        </p:spPr>
-        <p:style>
-          <a:lnRef idx="1">
-            <a:schemeClr val="accent1"/>
-          </a:lnRef>
-          <a:fillRef idx="0">
-            <a:schemeClr val="accent1"/>
-          </a:fillRef>
-          <a:effectRef idx="0">
-            <a:schemeClr val="accent1"/>
-          </a:effectRef>
-          <a:fontRef idx="minor">
-            <a:schemeClr val="tx1"/>
-          </a:fontRef>
-        </p:style>
-      </p:cxnSp>
-      <p:cxnSp>
-        <p:nvCxnSpPr>
-          <p:cNvPr id="12" name="Gerade Verbindung mit Pfeil 11">
-            <a:extLst>
-              <a:ext uri="{FF2B5EF4-FFF2-40B4-BE49-F238E27FC236}">
-                <a16:creationId xmlns:a16="http://schemas.microsoft.com/office/drawing/2014/main" id="{7B4E0FDD-51A5-CD97-9910-A46B073226AA}"/>
-              </a:ext>
-            </a:extLst>
-          </p:cNvPr>
-          <p:cNvCxnSpPr>
-            <a:cxnSpLocks/>
-            <a:stCxn id="8" idx="2"/>
-            <a:endCxn id="4" idx="0"/>
-          </p:cNvCxnSpPr>
-          <p:nvPr/>
-        </p:nvCxnSpPr>
-        <p:spPr>
-          <a:xfrm flipH="1">
-            <a:off x="6096000" y="3522339"/>
-            <a:ext cx="4341810" cy="1580381"/>
-          </a:xfrm>
-          <a:prstGeom prst="straightConnector1">
-            <a:avLst/>
-          </a:prstGeom>
-          <a:ln w="38100">
-            <a:solidFill>
-              <a:schemeClr val="tx1"/>
-            </a:solidFill>
-            <a:tailEnd type="triangle"/>
-          </a:ln>
-        </p:spPr>
-        <p:style>
-          <a:lnRef idx="1">
-            <a:schemeClr val="accent1"/>
-          </a:lnRef>
-          <a:fillRef idx="0">
-            <a:schemeClr val="accent1"/>
-          </a:fillRef>
-          <a:effectRef idx="0">
-            <a:schemeClr val="accent1"/>
-          </a:effectRef>
-          <a:fontRef idx="minor">
-            <a:schemeClr val="tx1"/>
-          </a:fontRef>
-        </p:style>
-      </p:cxnSp>
-    </p:spTree>
-    <p:extLst>
-      <p:ext uri="{BB962C8B-B14F-4D97-AF65-F5344CB8AC3E}">
-        <p14:creationId xmlns:p14="http://schemas.microsoft.com/office/powerpoint/2010/main" val="1853312373"/>
-      </p:ext>
-    </p:extLst>
-  </p:cSld>
-  <p:clrMapOvr>
-    <a:masterClrMapping/>
-  </p:clrMapOvr>
-</p:sld>
-</file>
-
-<file path=ppt/slides/slide2.xml><?xml version="1.0" encoding="utf-8"?>
 <p:sld xmlns:a="http://schemas.openxmlformats.org/drawingml/2006/main" xmlns:r="http://schemas.openxmlformats.org/officeDocument/2006/relationships" xmlns:p="http://schemas.openxmlformats.org/presentationml/2006/main">
   <p:cSld>
     <p:bg>
